--- a/docs/diagrams/ModelComponentClassBetterOopDiagram.pptx
+++ b/docs/diagrams/ModelComponentClassBetterOopDiagram.pptx
@@ -208,7 +208,7 @@
           <a:p>
             <a:fld id="{F5CC4B3F-88C1-4FFA-B1B6-F41C21DC6924}" type="datetimeFigureOut">
               <a:rPr lang="en-US" smtClean="0"/>
-              <a:t>3/28/2018</a:t>
+              <a:t>6/27/2018</a:t>
             </a:fld>
             <a:endParaRPr lang="en-US"/>
           </a:p>
@@ -654,7 +654,7 @@
           <a:p>
             <a:fld id="{78C97017-6FC3-485B-9764-EAC9E56C1D49}" type="datetimeFigureOut">
               <a:rPr lang="en-US" smtClean="0"/>
-              <a:t>3/28/2018</a:t>
+              <a:t>6/27/2018</a:t>
             </a:fld>
             <a:endParaRPr lang="en-US"/>
           </a:p>
@@ -822,7 +822,7 @@
           <a:p>
             <a:fld id="{78C97017-6FC3-485B-9764-EAC9E56C1D49}" type="datetimeFigureOut">
               <a:rPr lang="en-US" smtClean="0"/>
-              <a:t>3/28/2018</a:t>
+              <a:t>6/27/2018</a:t>
             </a:fld>
             <a:endParaRPr lang="en-US"/>
           </a:p>
@@ -1000,7 +1000,7 @@
           <a:p>
             <a:fld id="{78C97017-6FC3-485B-9764-EAC9E56C1D49}" type="datetimeFigureOut">
               <a:rPr lang="en-US" smtClean="0"/>
-              <a:t>3/28/2018</a:t>
+              <a:t>6/27/2018</a:t>
             </a:fld>
             <a:endParaRPr lang="en-US"/>
           </a:p>
@@ -1168,7 +1168,7 @@
           <a:p>
             <a:fld id="{78C97017-6FC3-485B-9764-EAC9E56C1D49}" type="datetimeFigureOut">
               <a:rPr lang="en-US" smtClean="0"/>
-              <a:t>3/28/2018</a:t>
+              <a:t>6/27/2018</a:t>
             </a:fld>
             <a:endParaRPr lang="en-US"/>
           </a:p>
@@ -1413,7 +1413,7 @@
           <a:p>
             <a:fld id="{78C97017-6FC3-485B-9764-EAC9E56C1D49}" type="datetimeFigureOut">
               <a:rPr lang="en-US" smtClean="0"/>
-              <a:t>3/28/2018</a:t>
+              <a:t>6/27/2018</a:t>
             </a:fld>
             <a:endParaRPr lang="en-US"/>
           </a:p>
@@ -1698,7 +1698,7 @@
           <a:p>
             <a:fld id="{78C97017-6FC3-485B-9764-EAC9E56C1D49}" type="datetimeFigureOut">
               <a:rPr lang="en-US" smtClean="0"/>
-              <a:t>3/28/2018</a:t>
+              <a:t>6/27/2018</a:t>
             </a:fld>
             <a:endParaRPr lang="en-US"/>
           </a:p>
@@ -2117,7 +2117,7 @@
           <a:p>
             <a:fld id="{78C97017-6FC3-485B-9764-EAC9E56C1D49}" type="datetimeFigureOut">
               <a:rPr lang="en-US" smtClean="0"/>
-              <a:t>3/28/2018</a:t>
+              <a:t>6/27/2018</a:t>
             </a:fld>
             <a:endParaRPr lang="en-US"/>
           </a:p>
@@ -2234,7 +2234,7 @@
           <a:p>
             <a:fld id="{78C97017-6FC3-485B-9764-EAC9E56C1D49}" type="datetimeFigureOut">
               <a:rPr lang="en-US" smtClean="0"/>
-              <a:t>3/28/2018</a:t>
+              <a:t>6/27/2018</a:t>
             </a:fld>
             <a:endParaRPr lang="en-US"/>
           </a:p>
@@ -2329,7 +2329,7 @@
           <a:p>
             <a:fld id="{78C97017-6FC3-485B-9764-EAC9E56C1D49}" type="datetimeFigureOut">
               <a:rPr lang="en-US" smtClean="0"/>
-              <a:t>3/28/2018</a:t>
+              <a:t>6/27/2018</a:t>
             </a:fld>
             <a:endParaRPr lang="en-US"/>
           </a:p>
@@ -2604,7 +2604,7 @@
           <a:p>
             <a:fld id="{78C97017-6FC3-485B-9764-EAC9E56C1D49}" type="datetimeFigureOut">
               <a:rPr lang="en-US" smtClean="0"/>
-              <a:t>3/28/2018</a:t>
+              <a:t>6/27/2018</a:t>
             </a:fld>
             <a:endParaRPr lang="en-US"/>
           </a:p>
@@ -2856,7 +2856,7 @@
           <a:p>
             <a:fld id="{78C97017-6FC3-485B-9764-EAC9E56C1D49}" type="datetimeFigureOut">
               <a:rPr lang="en-US" smtClean="0"/>
-              <a:t>3/28/2018</a:t>
+              <a:t>6/27/2018</a:t>
             </a:fld>
             <a:endParaRPr lang="en-US"/>
           </a:p>
@@ -3067,7 +3067,7 @@
           <a:p>
             <a:fld id="{78C97017-6FC3-485B-9764-EAC9E56C1D49}" type="datetimeFigureOut">
               <a:rPr lang="en-US" smtClean="0"/>
-              <a:t>3/28/2018</a:t>
+              <a:t>6/27/2018</a:t>
             </a:fld>
             <a:endParaRPr lang="en-US"/>
           </a:p>
@@ -3450,8 +3450,8 @@
         </p:nvSpPr>
         <p:spPr>
           <a:xfrm>
-            <a:off x="1119865" y="1738947"/>
-            <a:ext cx="7490735" cy="2997200"/>
+            <a:off x="1119865" y="1676400"/>
+            <a:ext cx="7490735" cy="3059747"/>
           </a:xfrm>
           <a:prstGeom prst="roundRect">
             <a:avLst>
@@ -3626,14 +3626,12 @@
           <p:cNvPr id="107" name="Elbow Connector 106"/>
           <p:cNvCxnSpPr>
             <a:cxnSpLocks/>
-            <a:stCxn id="9" idx="1"/>
-            <a:endCxn id="62" idx="2"/>
           </p:cNvCxnSpPr>
           <p:nvPr/>
         </p:nvCxnSpPr>
         <p:spPr>
           <a:xfrm rot="5400000" flipH="1" flipV="1">
-            <a:off x="4131507" y="1281685"/>
+            <a:off x="4155901" y="1308943"/>
             <a:ext cx="613122" cy="4459404"/>
           </a:xfrm>
           <a:prstGeom prst="bentConnector3">
@@ -3961,8 +3959,8 @@
         </p:nvSpPr>
         <p:spPr>
           <a:xfrm>
-            <a:off x="2873582" y="2831936"/>
-            <a:ext cx="1093635" cy="346760"/>
+            <a:off x="2786406" y="2834911"/>
+            <a:ext cx="1447688" cy="346760"/>
           </a:xfrm>
           <a:prstGeom prst="rect">
             <a:avLst/>
@@ -3994,12 +3992,12 @@
           <a:p>
             <a:pPr algn="ctr"/>
             <a:r>
-              <a:rPr lang="en-US" sz="1050" dirty="0" err="1">
+              <a:rPr lang="en-US" sz="1050" dirty="0" err="1" smtClean="0">
                 <a:solidFill>
                   <a:srgbClr val="7030A0"/>
                 </a:solidFill>
               </a:rPr>
-              <a:t>AddressBook</a:t>
+              <a:t>VersionedAddressBook</a:t>
             </a:r>
             <a:endParaRPr lang="en-SG" sz="1050" dirty="0">
               <a:solidFill>
@@ -4021,7 +4019,7 @@
         <p:spPr>
           <a:xfrm>
             <a:off x="2624360" y="3003033"/>
-            <a:ext cx="249222" cy="2283"/>
+            <a:ext cx="162046" cy="5258"/>
           </a:xfrm>
           <a:prstGeom prst="straightConnector1">
             <a:avLst/>
@@ -4103,7 +4101,7 @@
         </p:nvSpPr>
         <p:spPr>
           <a:xfrm>
-            <a:off x="4487017" y="2847371"/>
+            <a:off x="4762209" y="2863434"/>
             <a:ext cx="1156969" cy="346760"/>
           </a:xfrm>
           <a:prstGeom prst="rect">
@@ -4159,7 +4157,7 @@
         </p:nvSpPr>
         <p:spPr>
           <a:xfrm>
-            <a:off x="3977259" y="2932345"/>
+            <a:off x="4233246" y="2948201"/>
             <a:ext cx="236048" cy="173380"/>
           </a:xfrm>
           <a:prstGeom prst="flowChartDecision">
@@ -4209,8 +4207,8 @@
         </p:nvCxnSpPr>
         <p:spPr>
           <a:xfrm>
-            <a:off x="4213307" y="3019035"/>
-            <a:ext cx="273710" cy="1716"/>
+            <a:off x="4469294" y="3034891"/>
+            <a:ext cx="292915" cy="1923"/>
           </a:xfrm>
           <a:prstGeom prst="bentConnector3">
             <a:avLst/>
@@ -4303,7 +4301,7 @@
         </p:nvSpPr>
         <p:spPr>
           <a:xfrm>
-            <a:off x="5653118" y="2942885"/>
+            <a:off x="5918460" y="2941065"/>
             <a:ext cx="236048" cy="173380"/>
           </a:xfrm>
           <a:prstGeom prst="flowChartDecision">
@@ -4345,13 +4343,15 @@
           <p:cNvPr id="64" name="Elbow Connector 63"/>
           <p:cNvCxnSpPr>
             <a:cxnSpLocks/>
+            <a:stCxn id="63" idx="3"/>
+            <a:endCxn id="62" idx="1"/>
           </p:cNvCxnSpPr>
           <p:nvPr/>
         </p:nvCxnSpPr>
         <p:spPr>
           <a:xfrm>
-            <a:off x="5889166" y="3030192"/>
-            <a:ext cx="424511" cy="1871"/>
+            <a:off x="6154508" y="3027755"/>
+            <a:ext cx="159169" cy="3691"/>
           </a:xfrm>
           <a:prstGeom prst="bentConnector3">
             <a:avLst/>
@@ -4789,6 +4789,869 @@
           </a:xfrm>
           <a:prstGeom prst="bentConnector3">
             <a:avLst/>
+          </a:prstGeom>
+          <a:ln w="19050">
+            <a:solidFill>
+              <a:srgbClr val="7030A0"/>
+            </a:solidFill>
+            <a:headEnd type="none" w="med" len="med"/>
+            <a:tailEnd type="arrow" w="med" len="med"/>
+          </a:ln>
+          <a:effectLst/>
+        </p:spPr>
+        <p:style>
+          <a:lnRef idx="1">
+            <a:schemeClr val="accent2"/>
+          </a:lnRef>
+          <a:fillRef idx="2">
+            <a:schemeClr val="accent2"/>
+          </a:fillRef>
+          <a:effectRef idx="1">
+            <a:schemeClr val="accent2"/>
+          </a:effectRef>
+          <a:fontRef idx="minor">
+            <a:schemeClr val="dk1"/>
+          </a:fontRef>
+        </p:style>
+      </p:cxnSp>
+      <p:sp>
+        <p:nvSpPr>
+          <p:cNvPr id="114" name="TextBox 113"/>
+          <p:cNvSpPr txBox="1"/>
+          <p:nvPr/>
+        </p:nvSpPr>
+        <p:spPr>
+          <a:xfrm rot="16200000">
+            <a:off x="6362886" y="3586305"/>
+            <a:ext cx="881018" cy="261610"/>
+          </a:xfrm>
+          <a:prstGeom prst="rect">
+            <a:avLst/>
+          </a:prstGeom>
+          <a:noFill/>
+        </p:spPr>
+        <p:txBody>
+          <a:bodyPr wrap="square" rtlCol="0">
+            <a:spAutoFit/>
+          </a:bodyPr>
+          <a:lstStyle/>
+          <a:p>
+            <a:pPr algn="r"/>
+            <a:r>
+              <a:rPr lang="en-US" sz="1100" dirty="0">
+                <a:solidFill>
+                  <a:srgbClr val="7030A0"/>
+                </a:solidFill>
+              </a:rPr>
+              <a:t>filtered list</a:t>
+            </a:r>
+            <a:endParaRPr lang="en-SG" sz="1100" dirty="0">
+              <a:solidFill>
+                <a:srgbClr val="7030A0"/>
+              </a:solidFill>
+            </a:endParaRPr>
+          </a:p>
+        </p:txBody>
+      </p:sp>
+      <p:sp>
+        <p:nvSpPr>
+          <p:cNvPr id="122" name="Rectangle 8"/>
+          <p:cNvSpPr/>
+          <p:nvPr/>
+        </p:nvSpPr>
+        <p:spPr>
+          <a:xfrm>
+            <a:off x="2057401" y="4239491"/>
+            <a:ext cx="1066800" cy="346760"/>
+          </a:xfrm>
+          <a:prstGeom prst="rect">
+            <a:avLst/>
+          </a:prstGeom>
+          <a:ln w="19050">
+            <a:solidFill>
+              <a:srgbClr val="7030A0"/>
+            </a:solidFill>
+          </a:ln>
+          <a:effectLst/>
+        </p:spPr>
+        <p:style>
+          <a:lnRef idx="1">
+            <a:schemeClr val="accent4"/>
+          </a:lnRef>
+          <a:fillRef idx="2">
+            <a:schemeClr val="accent4"/>
+          </a:fillRef>
+          <a:effectRef idx="1">
+            <a:schemeClr val="accent4"/>
+          </a:effectRef>
+          <a:fontRef idx="minor">
+            <a:schemeClr val="dk1"/>
+          </a:fontRef>
+        </p:style>
+        <p:txBody>
+          <a:bodyPr rtlCol="0" anchor="ctr"/>
+          <a:lstStyle/>
+          <a:p>
+            <a:pPr algn="ctr"/>
+            <a:r>
+              <a:rPr lang="en-US" sz="1050" dirty="0">
+                <a:solidFill>
+                  <a:srgbClr val="7030A0"/>
+                </a:solidFill>
+              </a:rPr>
+              <a:t>&lt;&lt;interface&gt;&gt;</a:t>
+            </a:r>
+            <a:r>
+              <a:rPr lang="en-US" sz="1050">
+                <a:solidFill>
+                  <a:srgbClr val="7030A0"/>
+                </a:solidFill>
+              </a:rPr>
+              <a:t/>
+            </a:r>
+            <a:br>
+              <a:rPr lang="en-US" sz="1050">
+                <a:solidFill>
+                  <a:srgbClr val="7030A0"/>
+                </a:solidFill>
+              </a:rPr>
+            </a:br>
+            <a:r>
+              <a:rPr lang="en-US" sz="1050" dirty="0" err="1">
+                <a:solidFill>
+                  <a:srgbClr val="7030A0"/>
+                </a:solidFill>
+              </a:rPr>
+              <a:t>ObservableList</a:t>
+            </a:r>
+            <a:endParaRPr lang="en-SG" sz="1050" dirty="0">
+              <a:solidFill>
+                <a:srgbClr val="7030A0"/>
+              </a:solidFill>
+            </a:endParaRPr>
+          </a:p>
+        </p:txBody>
+      </p:sp>
+      <p:cxnSp>
+        <p:nvCxnSpPr>
+          <p:cNvPr id="124" name="Elbow Connector 122"/>
+          <p:cNvCxnSpPr>
+            <a:stCxn id="119" idx="1"/>
+            <a:endCxn id="122" idx="1"/>
+          </p:cNvCxnSpPr>
+          <p:nvPr/>
+        </p:nvCxnSpPr>
+        <p:spPr>
+          <a:xfrm rot="16200000" flipH="1">
+            <a:off x="1364475" y="3719944"/>
+            <a:ext cx="831471" cy="554381"/>
+          </a:xfrm>
+          <a:prstGeom prst="bentConnector2">
+            <a:avLst/>
+          </a:prstGeom>
+          <a:ln w="19050">
+            <a:solidFill>
+              <a:srgbClr val="7030A0"/>
+            </a:solidFill>
+            <a:prstDash val="sysDot"/>
+            <a:headEnd type="none" w="med" len="med"/>
+            <a:tailEnd type="arrow" w="med" len="med"/>
+          </a:ln>
+          <a:effectLst/>
+        </p:spPr>
+        <p:style>
+          <a:lnRef idx="1">
+            <a:schemeClr val="accent2"/>
+          </a:lnRef>
+          <a:fillRef idx="2">
+            <a:schemeClr val="accent2"/>
+          </a:fillRef>
+          <a:effectRef idx="1">
+            <a:schemeClr val="accent2"/>
+          </a:effectRef>
+          <a:fontRef idx="minor">
+            <a:schemeClr val="dk1"/>
+          </a:fontRef>
+        </p:style>
+      </p:cxnSp>
+      <p:sp>
+        <p:nvSpPr>
+          <p:cNvPr id="54" name="TextBox 53"/>
+          <p:cNvSpPr txBox="1"/>
+          <p:nvPr/>
+        </p:nvSpPr>
+        <p:spPr>
+          <a:xfrm>
+            <a:off x="4324972" y="3058864"/>
+            <a:ext cx="189257" cy="178683"/>
+          </a:xfrm>
+          <a:prstGeom prst="rect">
+            <a:avLst/>
+          </a:prstGeom>
+          <a:noFill/>
+        </p:spPr>
+        <p:txBody>
+          <a:bodyPr wrap="square" lIns="0" tIns="0" rIns="0" bIns="0" rtlCol="0">
+            <a:noAutofit/>
+          </a:bodyPr>
+          <a:lstStyle/>
+          <a:p>
+            <a:pPr algn="ctr"/>
+            <a:r>
+              <a:rPr lang="en-US" sz="1100" dirty="0">
+                <a:solidFill>
+                  <a:srgbClr val="7030A0"/>
+                </a:solidFill>
+              </a:rPr>
+              <a:t>1</a:t>
+            </a:r>
+            <a:endParaRPr lang="en-SG" sz="1100" dirty="0">
+              <a:solidFill>
+                <a:srgbClr val="7030A0"/>
+              </a:solidFill>
+            </a:endParaRPr>
+          </a:p>
+        </p:txBody>
+      </p:sp>
+      <p:sp>
+        <p:nvSpPr>
+          <p:cNvPr id="61" name="TextBox 60"/>
+          <p:cNvSpPr txBox="1"/>
+          <p:nvPr/>
+        </p:nvSpPr>
+        <p:spPr>
+          <a:xfrm>
+            <a:off x="6135256" y="3097917"/>
+            <a:ext cx="189257" cy="178683"/>
+          </a:xfrm>
+          <a:prstGeom prst="rect">
+            <a:avLst/>
+          </a:prstGeom>
+          <a:noFill/>
+        </p:spPr>
+        <p:txBody>
+          <a:bodyPr wrap="square" lIns="0" tIns="0" rIns="0" bIns="0" rtlCol="0">
+            <a:noAutofit/>
+          </a:bodyPr>
+          <a:lstStyle/>
+          <a:p>
+            <a:pPr algn="ctr"/>
+            <a:r>
+              <a:rPr lang="en-US" sz="1100" dirty="0">
+                <a:solidFill>
+                  <a:srgbClr val="7030A0"/>
+                </a:solidFill>
+              </a:rPr>
+              <a:t>*</a:t>
+            </a:r>
+            <a:endParaRPr lang="en-SG" sz="1100" dirty="0">
+              <a:solidFill>
+                <a:srgbClr val="7030A0"/>
+              </a:solidFill>
+            </a:endParaRPr>
+          </a:p>
+        </p:txBody>
+      </p:sp>
+      <p:sp>
+        <p:nvSpPr>
+          <p:cNvPr id="65" name="TextBox 64"/>
+          <p:cNvSpPr txBox="1"/>
+          <p:nvPr/>
+        </p:nvSpPr>
+        <p:spPr>
+          <a:xfrm>
+            <a:off x="2560167" y="2753818"/>
+            <a:ext cx="78378" cy="193767"/>
+          </a:xfrm>
+          <a:prstGeom prst="rect">
+            <a:avLst/>
+          </a:prstGeom>
+          <a:noFill/>
+        </p:spPr>
+        <p:txBody>
+          <a:bodyPr wrap="square" lIns="0" tIns="0" rIns="0" bIns="0" rtlCol="0">
+            <a:noAutofit/>
+          </a:bodyPr>
+          <a:lstStyle/>
+          <a:p>
+            <a:pPr algn="ctr"/>
+            <a:r>
+              <a:rPr lang="en-US" sz="1100" dirty="0">
+                <a:solidFill>
+                  <a:srgbClr val="7030A0"/>
+                </a:solidFill>
+              </a:rPr>
+              <a:t>1</a:t>
+            </a:r>
+            <a:endParaRPr lang="en-SG" sz="1100" dirty="0">
+              <a:solidFill>
+                <a:srgbClr val="7030A0"/>
+              </a:solidFill>
+            </a:endParaRPr>
+          </a:p>
+        </p:txBody>
+      </p:sp>
+      <p:sp>
+        <p:nvSpPr>
+          <p:cNvPr id="66" name="TextBox 65"/>
+          <p:cNvSpPr txBox="1"/>
+          <p:nvPr/>
+        </p:nvSpPr>
+        <p:spPr>
+          <a:xfrm>
+            <a:off x="2707070" y="3667737"/>
+            <a:ext cx="189257" cy="178683"/>
+          </a:xfrm>
+          <a:prstGeom prst="rect">
+            <a:avLst/>
+          </a:prstGeom>
+          <a:noFill/>
+        </p:spPr>
+        <p:txBody>
+          <a:bodyPr wrap="square" lIns="0" tIns="0" rIns="0" bIns="0" rtlCol="0">
+            <a:noAutofit/>
+          </a:bodyPr>
+          <a:lstStyle/>
+          <a:p>
+            <a:pPr algn="ctr"/>
+            <a:r>
+              <a:rPr lang="en-US" sz="1100" dirty="0">
+                <a:solidFill>
+                  <a:srgbClr val="7030A0"/>
+                </a:solidFill>
+              </a:rPr>
+              <a:t>1</a:t>
+            </a:r>
+            <a:endParaRPr lang="en-SG" sz="1100" dirty="0">
+              <a:solidFill>
+                <a:srgbClr val="7030A0"/>
+              </a:solidFill>
+            </a:endParaRPr>
+          </a:p>
+        </p:txBody>
+      </p:sp>
+      <p:sp>
+        <p:nvSpPr>
+          <p:cNvPr id="70" name="TextBox 69"/>
+          <p:cNvSpPr txBox="1"/>
+          <p:nvPr/>
+        </p:nvSpPr>
+        <p:spPr>
+          <a:xfrm>
+            <a:off x="6449896" y="3204826"/>
+            <a:ext cx="189257" cy="178683"/>
+          </a:xfrm>
+          <a:prstGeom prst="rect">
+            <a:avLst/>
+          </a:prstGeom>
+          <a:noFill/>
+        </p:spPr>
+        <p:txBody>
+          <a:bodyPr wrap="square" lIns="0" tIns="0" rIns="0" bIns="0" rtlCol="0">
+            <a:noAutofit/>
+          </a:bodyPr>
+          <a:lstStyle/>
+          <a:p>
+            <a:pPr algn="ctr"/>
+            <a:r>
+              <a:rPr lang="en-US" sz="1100" dirty="0">
+                <a:solidFill>
+                  <a:srgbClr val="7030A0"/>
+                </a:solidFill>
+              </a:rPr>
+              <a:t>1</a:t>
+            </a:r>
+            <a:endParaRPr lang="en-SG" sz="1100" dirty="0">
+              <a:solidFill>
+                <a:srgbClr val="7030A0"/>
+              </a:solidFill>
+            </a:endParaRPr>
+          </a:p>
+        </p:txBody>
+      </p:sp>
+      <p:sp>
+        <p:nvSpPr>
+          <p:cNvPr id="52" name="Rectangle 8">
+            <a:extLst>
+              <a:ext uri="{FF2B5EF4-FFF2-40B4-BE49-F238E27FC236}">
+                <a16:creationId xmlns:a16="http://schemas.microsoft.com/office/drawing/2014/main" id="{ABDCDBD2-131A-4B66-A2F2-43BBEE82C773}"/>
+              </a:ext>
+            </a:extLst>
+          </p:cNvPr>
+          <p:cNvSpPr/>
+          <p:nvPr/>
+        </p:nvSpPr>
+        <p:spPr>
+          <a:xfrm>
+            <a:off x="4755872" y="2206861"/>
+            <a:ext cx="1156969" cy="285783"/>
+          </a:xfrm>
+          <a:prstGeom prst="rect">
+            <a:avLst/>
+          </a:prstGeom>
+          <a:ln w="19050">
+            <a:solidFill>
+              <a:srgbClr val="7030A0"/>
+            </a:solidFill>
+          </a:ln>
+          <a:effectLst/>
+        </p:spPr>
+        <p:style>
+          <a:lnRef idx="1">
+            <a:schemeClr val="accent4"/>
+          </a:lnRef>
+          <a:fillRef idx="2">
+            <a:schemeClr val="accent4"/>
+          </a:fillRef>
+          <a:effectRef idx="1">
+            <a:schemeClr val="accent4"/>
+          </a:effectRef>
+          <a:fontRef idx="minor">
+            <a:schemeClr val="dk1"/>
+          </a:fontRef>
+        </p:style>
+        <p:txBody>
+          <a:bodyPr rtlCol="0" anchor="ctr"/>
+          <a:lstStyle/>
+          <a:p>
+            <a:pPr algn="ctr"/>
+            <a:r>
+              <a:rPr lang="en-US" sz="1050" dirty="0" err="1">
+                <a:solidFill>
+                  <a:srgbClr val="7030A0"/>
+                </a:solidFill>
+              </a:rPr>
+              <a:t>UniqueTagList</a:t>
+            </a:r>
+            <a:endParaRPr lang="en-SG" sz="1050" dirty="0">
+              <a:solidFill>
+                <a:srgbClr val="7030A0"/>
+              </a:solidFill>
+            </a:endParaRPr>
+          </a:p>
+        </p:txBody>
+      </p:sp>
+      <p:cxnSp>
+        <p:nvCxnSpPr>
+          <p:cNvPr id="53" name="Elbow Connector 78">
+            <a:extLst>
+              <a:ext uri="{FF2B5EF4-FFF2-40B4-BE49-F238E27FC236}">
+                <a16:creationId xmlns:a16="http://schemas.microsoft.com/office/drawing/2014/main" id="{B97967F8-618A-448B-81FD-CDFD4AF0EC64}"/>
+              </a:ext>
+            </a:extLst>
+          </p:cNvPr>
+          <p:cNvCxnSpPr>
+            <a:cxnSpLocks/>
+            <a:stCxn id="54" idx="0"/>
+            <a:endCxn id="52" idx="1"/>
+          </p:cNvCxnSpPr>
+          <p:nvPr/>
+        </p:nvCxnSpPr>
+        <p:spPr>
+          <a:xfrm rot="5400000" flipH="1" flipV="1">
+            <a:off x="4233181" y="2536174"/>
+            <a:ext cx="709111" cy="336271"/>
+          </a:xfrm>
+          <a:prstGeom prst="bentConnector2">
+            <a:avLst/>
+          </a:prstGeom>
+          <a:ln w="19050">
+            <a:solidFill>
+              <a:srgbClr val="7030A0"/>
+            </a:solidFill>
+            <a:headEnd type="none" w="med" len="med"/>
+            <a:tailEnd type="arrow" w="med" len="med"/>
+          </a:ln>
+          <a:effectLst/>
+        </p:spPr>
+        <p:style>
+          <a:lnRef idx="1">
+            <a:schemeClr val="accent2"/>
+          </a:lnRef>
+          <a:fillRef idx="2">
+            <a:schemeClr val="accent2"/>
+          </a:fillRef>
+          <a:effectRef idx="1">
+            <a:schemeClr val="accent2"/>
+          </a:effectRef>
+          <a:fontRef idx="minor">
+            <a:schemeClr val="dk1"/>
+          </a:fontRef>
+        </p:style>
+      </p:cxnSp>
+      <p:sp>
+        <p:nvSpPr>
+          <p:cNvPr id="50" name="TextBox 49">
+            <a:extLst>
+              <a:ext uri="{FF2B5EF4-FFF2-40B4-BE49-F238E27FC236}">
+                <a16:creationId xmlns:a16="http://schemas.microsoft.com/office/drawing/2014/main" id="{B3FA9D57-880F-49C4-AD0B-A64E30D6F403}"/>
+              </a:ext>
+            </a:extLst>
+          </p:cNvPr>
+          <p:cNvSpPr txBox="1"/>
+          <p:nvPr/>
+        </p:nvSpPr>
+        <p:spPr>
+          <a:xfrm>
+            <a:off x="6714344" y="2430721"/>
+            <a:ext cx="189257" cy="178683"/>
+          </a:xfrm>
+          <a:prstGeom prst="rect">
+            <a:avLst/>
+          </a:prstGeom>
+          <a:noFill/>
+        </p:spPr>
+        <p:txBody>
+          <a:bodyPr wrap="square" lIns="0" tIns="0" rIns="0" bIns="0" rtlCol="0">
+            <a:noAutofit/>
+          </a:bodyPr>
+          <a:lstStyle/>
+          <a:p>
+            <a:pPr algn="ctr"/>
+            <a:r>
+              <a:rPr lang="en-US" sz="1100" dirty="0">
+                <a:solidFill>
+                  <a:srgbClr val="7030A0"/>
+                </a:solidFill>
+              </a:rPr>
+              <a:t>*</a:t>
+            </a:r>
+            <a:endParaRPr lang="en-SG" sz="1100" dirty="0">
+              <a:solidFill>
+                <a:srgbClr val="7030A0"/>
+              </a:solidFill>
+            </a:endParaRPr>
+          </a:p>
+        </p:txBody>
+      </p:sp>
+      <p:sp>
+        <p:nvSpPr>
+          <p:cNvPr id="55" name="Flowchart: Decision 96">
+            <a:extLst>
+              <a:ext uri="{FF2B5EF4-FFF2-40B4-BE49-F238E27FC236}">
+                <a16:creationId xmlns:a16="http://schemas.microsoft.com/office/drawing/2014/main" id="{B9F96195-942D-4692-91B7-CF34229E7461}"/>
+              </a:ext>
+            </a:extLst>
+          </p:cNvPr>
+          <p:cNvSpPr/>
+          <p:nvPr/>
+        </p:nvSpPr>
+        <p:spPr>
+          <a:xfrm rot="16200000">
+            <a:off x="6553482" y="2664721"/>
+            <a:ext cx="236048" cy="173380"/>
+          </a:xfrm>
+          <a:prstGeom prst="flowChartDecision">
+            <a:avLst/>
+          </a:prstGeom>
+          <a:noFill/>
+          <a:ln w="19050">
+            <a:solidFill>
+              <a:srgbClr val="7030A0"/>
+            </a:solidFill>
+          </a:ln>
+          <a:effectLst/>
+        </p:spPr>
+        <p:style>
+          <a:lnRef idx="1">
+            <a:schemeClr val="accent6"/>
+          </a:lnRef>
+          <a:fillRef idx="2">
+            <a:schemeClr val="accent6"/>
+          </a:fillRef>
+          <a:effectRef idx="1">
+            <a:schemeClr val="accent6"/>
+          </a:effectRef>
+          <a:fontRef idx="minor">
+            <a:schemeClr val="dk1"/>
+          </a:fontRef>
+        </p:style>
+        <p:txBody>
+          <a:bodyPr rtlCol="0" anchor="ctr"/>
+          <a:lstStyle/>
+          <a:p>
+            <a:pPr algn="ctr"/>
+            <a:endParaRPr lang="en-US" sz="1050"/>
+          </a:p>
+        </p:txBody>
+      </p:sp>
+      <p:cxnSp>
+        <p:nvCxnSpPr>
+          <p:cNvPr id="59" name="Elbow Connector 63">
+            <a:extLst>
+              <a:ext uri="{FF2B5EF4-FFF2-40B4-BE49-F238E27FC236}">
+                <a16:creationId xmlns:a16="http://schemas.microsoft.com/office/drawing/2014/main" id="{E2D6A56C-A223-4236-A1F0-7EFEBA2FC940}"/>
+              </a:ext>
+            </a:extLst>
+          </p:cNvPr>
+          <p:cNvCxnSpPr>
+            <a:cxnSpLocks/>
+            <a:endCxn id="67" idx="1"/>
+          </p:cNvCxnSpPr>
+          <p:nvPr/>
+        </p:nvCxnSpPr>
+        <p:spPr>
+          <a:xfrm flipV="1">
+            <a:off x="5884280" y="2233006"/>
+            <a:ext cx="432916" cy="111294"/>
+          </a:xfrm>
+          <a:prstGeom prst="bentConnector3">
+            <a:avLst/>
+          </a:prstGeom>
+          <a:ln w="19050">
+            <a:solidFill>
+              <a:srgbClr val="7030A0"/>
+            </a:solidFill>
+            <a:headEnd type="none" w="med" len="med"/>
+            <a:tailEnd type="arrow" w="med" len="med"/>
+          </a:ln>
+          <a:effectLst/>
+        </p:spPr>
+        <p:style>
+          <a:lnRef idx="1">
+            <a:schemeClr val="accent2"/>
+          </a:lnRef>
+          <a:fillRef idx="2">
+            <a:schemeClr val="accent2"/>
+          </a:fillRef>
+          <a:effectRef idx="1">
+            <a:schemeClr val="accent2"/>
+          </a:effectRef>
+          <a:fontRef idx="minor">
+            <a:schemeClr val="dk1"/>
+          </a:fontRef>
+        </p:style>
+      </p:cxnSp>
+      <p:sp>
+        <p:nvSpPr>
+          <p:cNvPr id="67" name="Rectangle 8">
+            <a:extLst>
+              <a:ext uri="{FF2B5EF4-FFF2-40B4-BE49-F238E27FC236}">
+                <a16:creationId xmlns:a16="http://schemas.microsoft.com/office/drawing/2014/main" id="{36D68104-33BB-4C8F-B764-F3F0B25E592B}"/>
+              </a:ext>
+            </a:extLst>
+          </p:cNvPr>
+          <p:cNvSpPr/>
+          <p:nvPr/>
+        </p:nvSpPr>
+        <p:spPr>
+          <a:xfrm>
+            <a:off x="6317196" y="2059626"/>
+            <a:ext cx="708186" cy="346760"/>
+          </a:xfrm>
+          <a:prstGeom prst="rect">
+            <a:avLst/>
+          </a:prstGeom>
+          <a:ln w="19050">
+            <a:solidFill>
+              <a:srgbClr val="7030A0"/>
+            </a:solidFill>
+          </a:ln>
+          <a:effectLst/>
+        </p:spPr>
+        <p:style>
+          <a:lnRef idx="1">
+            <a:schemeClr val="accent4"/>
+          </a:lnRef>
+          <a:fillRef idx="2">
+            <a:schemeClr val="accent4"/>
+          </a:fillRef>
+          <a:effectRef idx="1">
+            <a:schemeClr val="accent4"/>
+          </a:effectRef>
+          <a:fontRef idx="minor">
+            <a:schemeClr val="dk1"/>
+          </a:fontRef>
+        </p:style>
+        <p:txBody>
+          <a:bodyPr rtlCol="0" anchor="ctr"/>
+          <a:lstStyle/>
+          <a:p>
+            <a:pPr algn="ctr"/>
+            <a:r>
+              <a:rPr lang="en-US" sz="1050" dirty="0">
+                <a:solidFill>
+                  <a:srgbClr val="7030A0"/>
+                </a:solidFill>
+              </a:rPr>
+              <a:t>Tag</a:t>
+            </a:r>
+            <a:endParaRPr lang="en-SG" sz="1050" dirty="0">
+              <a:solidFill>
+                <a:srgbClr val="7030A0"/>
+              </a:solidFill>
+            </a:endParaRPr>
+          </a:p>
+        </p:txBody>
+      </p:sp>
+      <p:sp>
+        <p:nvSpPr>
+          <p:cNvPr id="68" name="TextBox 67">
+            <a:extLst>
+              <a:ext uri="{FF2B5EF4-FFF2-40B4-BE49-F238E27FC236}">
+                <a16:creationId xmlns:a16="http://schemas.microsoft.com/office/drawing/2014/main" id="{18A2ABF0-4DA8-43EE-BACE-A737C4E4CFEC}"/>
+              </a:ext>
+            </a:extLst>
+          </p:cNvPr>
+          <p:cNvSpPr txBox="1"/>
+          <p:nvPr/>
+        </p:nvSpPr>
+        <p:spPr>
+          <a:xfrm>
+            <a:off x="6135256" y="2278014"/>
+            <a:ext cx="189257" cy="178683"/>
+          </a:xfrm>
+          <a:prstGeom prst="rect">
+            <a:avLst/>
+          </a:prstGeom>
+          <a:noFill/>
+        </p:spPr>
+        <p:txBody>
+          <a:bodyPr wrap="square" lIns="0" tIns="0" rIns="0" bIns="0" rtlCol="0">
+            <a:noAutofit/>
+          </a:bodyPr>
+          <a:lstStyle/>
+          <a:p>
+            <a:pPr algn="ctr"/>
+            <a:r>
+              <a:rPr lang="en-US" sz="1100" dirty="0">
+                <a:solidFill>
+                  <a:srgbClr val="7030A0"/>
+                </a:solidFill>
+              </a:rPr>
+              <a:t>*</a:t>
+            </a:r>
+            <a:endParaRPr lang="en-SG" sz="1100" dirty="0">
+              <a:solidFill>
+                <a:srgbClr val="7030A0"/>
+              </a:solidFill>
+            </a:endParaRPr>
+          </a:p>
+        </p:txBody>
+      </p:sp>
+      <p:sp>
+        <p:nvSpPr>
+          <p:cNvPr id="69" name="TextBox 68">
+            <a:extLst>
+              <a:ext uri="{FF2B5EF4-FFF2-40B4-BE49-F238E27FC236}">
+                <a16:creationId xmlns:a16="http://schemas.microsoft.com/office/drawing/2014/main" id="{8CF9406A-39C7-4163-8880-BB65541FC08E}"/>
+              </a:ext>
+            </a:extLst>
+          </p:cNvPr>
+          <p:cNvSpPr txBox="1"/>
+          <p:nvPr/>
+        </p:nvSpPr>
+        <p:spPr>
+          <a:xfrm>
+            <a:off x="4367100" y="2172972"/>
+            <a:ext cx="189257" cy="178683"/>
+          </a:xfrm>
+          <a:prstGeom prst="rect">
+            <a:avLst/>
+          </a:prstGeom>
+          <a:noFill/>
+        </p:spPr>
+        <p:txBody>
+          <a:bodyPr wrap="square" lIns="0" tIns="0" rIns="0" bIns="0" rtlCol="0">
+            <a:noAutofit/>
+          </a:bodyPr>
+          <a:lstStyle/>
+          <a:p>
+            <a:pPr algn="ctr"/>
+            <a:r>
+              <a:rPr lang="en-US" sz="1100" dirty="0">
+                <a:solidFill>
+                  <a:srgbClr val="7030A0"/>
+                </a:solidFill>
+              </a:rPr>
+              <a:t>1</a:t>
+            </a:r>
+            <a:endParaRPr lang="en-SG" sz="1100" dirty="0">
+              <a:solidFill>
+                <a:srgbClr val="7030A0"/>
+              </a:solidFill>
+            </a:endParaRPr>
+          </a:p>
+        </p:txBody>
+      </p:sp>
+      <p:sp>
+        <p:nvSpPr>
+          <p:cNvPr id="71" name="Flowchart: Decision 96">
+            <a:extLst>
+              <a:ext uri="{FF2B5EF4-FFF2-40B4-BE49-F238E27FC236}">
+                <a16:creationId xmlns:a16="http://schemas.microsoft.com/office/drawing/2014/main" id="{233007D4-EEA2-4CA6-ACFE-1517B654224E}"/>
+              </a:ext>
+            </a:extLst>
+          </p:cNvPr>
+          <p:cNvSpPr/>
+          <p:nvPr/>
+        </p:nvSpPr>
+        <p:spPr>
+          <a:xfrm>
+            <a:off x="5911329" y="2262081"/>
+            <a:ext cx="236048" cy="173380"/>
+          </a:xfrm>
+          <a:prstGeom prst="flowChartDecision">
+            <a:avLst/>
+          </a:prstGeom>
+          <a:solidFill>
+            <a:srgbClr val="7030A0"/>
+          </a:solidFill>
+          <a:ln w="19050">
+            <a:solidFill>
+              <a:srgbClr val="7030A0"/>
+            </a:solidFill>
+          </a:ln>
+          <a:effectLst/>
+        </p:spPr>
+        <p:style>
+          <a:lnRef idx="1">
+            <a:schemeClr val="accent6"/>
+          </a:lnRef>
+          <a:fillRef idx="2">
+            <a:schemeClr val="accent6"/>
+          </a:fillRef>
+          <a:effectRef idx="1">
+            <a:schemeClr val="accent6"/>
+          </a:effectRef>
+          <a:fontRef idx="minor">
+            <a:schemeClr val="dk1"/>
+          </a:fontRef>
+        </p:style>
+        <p:txBody>
+          <a:bodyPr rtlCol="0" anchor="ctr"/>
+          <a:lstStyle/>
+          <a:p>
+            <a:pPr algn="ctr"/>
+            <a:endParaRPr lang="en-US" sz="1050"/>
+          </a:p>
+        </p:txBody>
+      </p:sp>
+      <p:cxnSp>
+        <p:nvCxnSpPr>
+          <p:cNvPr id="72" name="Elbow Connector 78">
+            <a:extLst>
+              <a:ext uri="{FF2B5EF4-FFF2-40B4-BE49-F238E27FC236}">
+                <a16:creationId xmlns:a16="http://schemas.microsoft.com/office/drawing/2014/main" id="{D5DFB8C5-B0B0-46C1-967B-4449112ABD6F}"/>
+              </a:ext>
+            </a:extLst>
+          </p:cNvPr>
+          <p:cNvCxnSpPr>
+            <a:cxnSpLocks/>
+            <a:stCxn id="55" idx="3"/>
+            <a:endCxn id="67" idx="2"/>
+          </p:cNvCxnSpPr>
+          <p:nvPr/>
+        </p:nvCxnSpPr>
+        <p:spPr>
+          <a:xfrm rot="16200000" flipV="1">
+            <a:off x="6557898" y="2519778"/>
+            <a:ext cx="227001" cy="217"/>
+          </a:xfrm>
+          <a:prstGeom prst="bentConnector3">
+            <a:avLst>
+              <a:gd name="adj1" fmla="val 50000"/>
+            </a:avLst>
           </a:prstGeom>
           <a:ln w="19050">
             <a:solidFill>
@@ -4816,16 +5679,16 @@
       </p:cxnSp>
       <p:cxnSp>
         <p:nvCxnSpPr>
-          <p:cNvPr id="97" name="Elbow Connector 63"/>
+          <p:cNvPr id="90" name="Elbow Connector 63"/>
           <p:cNvCxnSpPr>
-            <a:stCxn id="99" idx="3"/>
+            <a:stCxn id="91" idx="3"/>
           </p:cNvCxnSpPr>
           <p:nvPr/>
         </p:nvCxnSpPr>
         <p:spPr>
-          <a:xfrm rot="16200000" flipH="1">
-            <a:off x="3279321" y="2737710"/>
-            <a:ext cx="293825" cy="1"/>
+          <a:xfrm rot="5400000">
+            <a:off x="3470636" y="2687353"/>
+            <a:ext cx="293825" cy="5938"/>
           </a:xfrm>
           <a:prstGeom prst="bentConnector3">
             <a:avLst>
@@ -4859,14 +5722,14 @@
       </p:cxnSp>
       <p:sp>
         <p:nvSpPr>
-          <p:cNvPr id="99" name="Isosceles Triangle 102"/>
+          <p:cNvPr id="91" name="Isosceles Triangle 102"/>
           <p:cNvSpPr/>
           <p:nvPr/>
         </p:nvSpPr>
         <p:spPr>
           <a:xfrm rot="10800000" flipV="1">
-            <a:off x="3290981" y="2415276"/>
-            <a:ext cx="270504" cy="175523"/>
+            <a:off x="3479324" y="2386348"/>
+            <a:ext cx="282387" cy="157062"/>
           </a:xfrm>
           <a:prstGeom prst="triangle">
             <a:avLst/>
@@ -4907,14 +5770,14 @@
       </p:sp>
       <p:sp>
         <p:nvSpPr>
-          <p:cNvPr id="100" name="Rectangle 8"/>
+          <p:cNvPr id="92" name="Rectangle 8"/>
           <p:cNvSpPr/>
           <p:nvPr/>
         </p:nvSpPr>
         <p:spPr>
           <a:xfrm>
-            <a:off x="2671139" y="2049107"/>
-            <a:ext cx="1539926" cy="346760"/>
+            <a:off x="1177947" y="1998144"/>
+            <a:ext cx="1443661" cy="364396"/>
           </a:xfrm>
           <a:prstGeom prst="rect">
             <a:avLst/>
@@ -4978,53 +5841,14 @@
       </p:sp>
       <p:sp>
         <p:nvSpPr>
-          <p:cNvPr id="114" name="TextBox 113"/>
-          <p:cNvSpPr txBox="1"/>
-          <p:nvPr/>
-        </p:nvSpPr>
-        <p:spPr>
-          <a:xfrm rot="16200000">
-            <a:off x="6362886" y="3586305"/>
-            <a:ext cx="881018" cy="261610"/>
-          </a:xfrm>
-          <a:prstGeom prst="rect">
-            <a:avLst/>
-          </a:prstGeom>
-          <a:noFill/>
-        </p:spPr>
-        <p:txBody>
-          <a:bodyPr wrap="square" rtlCol="0">
-            <a:spAutoFit/>
-          </a:bodyPr>
-          <a:lstStyle/>
-          <a:p>
-            <a:pPr algn="r"/>
-            <a:r>
-              <a:rPr lang="en-US" sz="1100" dirty="0">
-                <a:solidFill>
-                  <a:srgbClr val="7030A0"/>
-                </a:solidFill>
-              </a:rPr>
-              <a:t>filtered list</a:t>
-            </a:r>
-            <a:endParaRPr lang="en-SG" sz="1100" dirty="0">
-              <a:solidFill>
-                <a:srgbClr val="7030A0"/>
-              </a:solidFill>
-            </a:endParaRPr>
-          </a:p>
-        </p:txBody>
-      </p:sp>
-      <p:sp>
-        <p:nvSpPr>
-          <p:cNvPr id="122" name="Rectangle 8"/>
+          <p:cNvPr id="93" name="Rectangle 8"/>
           <p:cNvSpPr/>
           <p:nvPr/>
         </p:nvSpPr>
         <p:spPr>
           <a:xfrm>
-            <a:off x="2057401" y="4239491"/>
-            <a:ext cx="1066800" cy="346760"/>
+            <a:off x="3087206" y="1998144"/>
+            <a:ext cx="1060683" cy="364396"/>
           </a:xfrm>
           <a:prstGeom prst="rect">
             <a:avLst/>
@@ -5056,27 +5880,12 @@
           <a:p>
             <a:pPr algn="ctr"/>
             <a:r>
-              <a:rPr lang="en-US" sz="1050" dirty="0">
-                <a:solidFill>
-                  <a:srgbClr val="7030A0"/>
-                </a:solidFill>
-              </a:rPr>
-              <a:t>&lt;&lt;interface&gt;&gt;</a:t>
-            </a:r>
-            <a:br>
-              <a:rPr lang="en-US" sz="1050">
-                <a:solidFill>
-                  <a:srgbClr val="7030A0"/>
-                </a:solidFill>
-              </a:rPr>
-            </a:br>
-            <a:r>
               <a:rPr lang="en-US" sz="1050" dirty="0" err="1">
                 <a:solidFill>
                   <a:srgbClr val="7030A0"/>
                 </a:solidFill>
               </a:rPr>
-              <a:t>ObservableList</a:t>
+              <a:t>AddressBook</a:t>
             </a:r>
             <a:endParaRPr lang="en-SG" sz="1050" dirty="0">
               <a:solidFill>
@@ -5086,421 +5895,28 @@
           </a:p>
         </p:txBody>
       </p:sp>
-      <p:cxnSp>
-        <p:nvCxnSpPr>
-          <p:cNvPr id="124" name="Elbow Connector 122"/>
-          <p:cNvCxnSpPr>
-            <a:stCxn id="119" idx="1"/>
-            <a:endCxn id="122" idx="1"/>
-          </p:cNvCxnSpPr>
-          <p:nvPr/>
-        </p:nvCxnSpPr>
-        <p:spPr>
-          <a:xfrm rot="16200000" flipH="1">
-            <a:off x="1364475" y="3719944"/>
-            <a:ext cx="831471" cy="554381"/>
-          </a:xfrm>
-          <a:prstGeom prst="bentConnector2">
-            <a:avLst/>
-          </a:prstGeom>
-          <a:ln w="19050">
-            <a:solidFill>
-              <a:srgbClr val="7030A0"/>
-            </a:solidFill>
-            <a:prstDash val="sysDot"/>
-            <a:headEnd type="none" w="med" len="med"/>
-            <a:tailEnd type="arrow" w="med" len="med"/>
-          </a:ln>
-          <a:effectLst/>
-        </p:spPr>
-        <p:style>
-          <a:lnRef idx="1">
-            <a:schemeClr val="accent2"/>
-          </a:lnRef>
-          <a:fillRef idx="2">
-            <a:schemeClr val="accent2"/>
-          </a:fillRef>
-          <a:effectRef idx="1">
-            <a:schemeClr val="accent2"/>
-          </a:effectRef>
-          <a:fontRef idx="minor">
-            <a:schemeClr val="dk1"/>
-          </a:fontRef>
-        </p:style>
-      </p:cxnSp>
-      <p:sp>
-        <p:nvSpPr>
-          <p:cNvPr id="54" name="TextBox 53"/>
-          <p:cNvSpPr txBox="1"/>
-          <p:nvPr/>
-        </p:nvSpPr>
-        <p:spPr>
-          <a:xfrm>
-            <a:off x="4324972" y="3058864"/>
-            <a:ext cx="189257" cy="178683"/>
-          </a:xfrm>
-          <a:prstGeom prst="rect">
-            <a:avLst/>
-          </a:prstGeom>
-          <a:noFill/>
-        </p:spPr>
-        <p:txBody>
-          <a:bodyPr wrap="square" lIns="0" tIns="0" rIns="0" bIns="0" rtlCol="0">
-            <a:noAutofit/>
-          </a:bodyPr>
-          <a:lstStyle/>
-          <a:p>
-            <a:pPr algn="ctr"/>
-            <a:r>
-              <a:rPr lang="en-US" sz="1100" dirty="0">
-                <a:solidFill>
-                  <a:srgbClr val="7030A0"/>
-                </a:solidFill>
-              </a:rPr>
-              <a:t>1</a:t>
-            </a:r>
-            <a:endParaRPr lang="en-SG" sz="1100" dirty="0">
-              <a:solidFill>
-                <a:srgbClr val="7030A0"/>
-              </a:solidFill>
-            </a:endParaRPr>
-          </a:p>
-        </p:txBody>
-      </p:sp>
-      <p:sp>
-        <p:nvSpPr>
-          <p:cNvPr id="61" name="TextBox 60"/>
-          <p:cNvSpPr txBox="1"/>
-          <p:nvPr/>
-        </p:nvSpPr>
-        <p:spPr>
-          <a:xfrm>
-            <a:off x="6135256" y="3097917"/>
-            <a:ext cx="189257" cy="178683"/>
-          </a:xfrm>
-          <a:prstGeom prst="rect">
-            <a:avLst/>
-          </a:prstGeom>
-          <a:noFill/>
-        </p:spPr>
-        <p:txBody>
-          <a:bodyPr wrap="square" lIns="0" tIns="0" rIns="0" bIns="0" rtlCol="0">
-            <a:noAutofit/>
-          </a:bodyPr>
-          <a:lstStyle/>
-          <a:p>
-            <a:pPr algn="ctr"/>
-            <a:r>
-              <a:rPr lang="en-US" sz="1100" dirty="0">
-                <a:solidFill>
-                  <a:srgbClr val="7030A0"/>
-                </a:solidFill>
-              </a:rPr>
-              <a:t>*</a:t>
-            </a:r>
-            <a:endParaRPr lang="en-SG" sz="1100" dirty="0">
-              <a:solidFill>
-                <a:srgbClr val="7030A0"/>
-              </a:solidFill>
-            </a:endParaRPr>
-          </a:p>
-        </p:txBody>
-      </p:sp>
-      <p:sp>
-        <p:nvSpPr>
-          <p:cNvPr id="65" name="TextBox 64"/>
-          <p:cNvSpPr txBox="1"/>
-          <p:nvPr/>
-        </p:nvSpPr>
-        <p:spPr>
-          <a:xfrm>
-            <a:off x="2687923" y="2793117"/>
-            <a:ext cx="189257" cy="178683"/>
-          </a:xfrm>
-          <a:prstGeom prst="rect">
-            <a:avLst/>
-          </a:prstGeom>
-          <a:noFill/>
-        </p:spPr>
-        <p:txBody>
-          <a:bodyPr wrap="square" lIns="0" tIns="0" rIns="0" bIns="0" rtlCol="0">
-            <a:noAutofit/>
-          </a:bodyPr>
-          <a:lstStyle/>
-          <a:p>
-            <a:pPr algn="ctr"/>
-            <a:r>
-              <a:rPr lang="en-US" sz="1100" dirty="0">
-                <a:solidFill>
-                  <a:srgbClr val="7030A0"/>
-                </a:solidFill>
-              </a:rPr>
-              <a:t>1</a:t>
-            </a:r>
-            <a:endParaRPr lang="en-SG" sz="1100" dirty="0">
-              <a:solidFill>
-                <a:srgbClr val="7030A0"/>
-              </a:solidFill>
-            </a:endParaRPr>
-          </a:p>
-        </p:txBody>
-      </p:sp>
-      <p:sp>
-        <p:nvSpPr>
-          <p:cNvPr id="66" name="TextBox 65"/>
-          <p:cNvSpPr txBox="1"/>
-          <p:nvPr/>
-        </p:nvSpPr>
-        <p:spPr>
-          <a:xfrm>
-            <a:off x="2707070" y="3667737"/>
-            <a:ext cx="189257" cy="178683"/>
-          </a:xfrm>
-          <a:prstGeom prst="rect">
-            <a:avLst/>
-          </a:prstGeom>
-          <a:noFill/>
-        </p:spPr>
-        <p:txBody>
-          <a:bodyPr wrap="square" lIns="0" tIns="0" rIns="0" bIns="0" rtlCol="0">
-            <a:noAutofit/>
-          </a:bodyPr>
-          <a:lstStyle/>
-          <a:p>
-            <a:pPr algn="ctr"/>
-            <a:r>
-              <a:rPr lang="en-US" sz="1100" dirty="0">
-                <a:solidFill>
-                  <a:srgbClr val="7030A0"/>
-                </a:solidFill>
-              </a:rPr>
-              <a:t>1</a:t>
-            </a:r>
-            <a:endParaRPr lang="en-SG" sz="1100" dirty="0">
-              <a:solidFill>
-                <a:srgbClr val="7030A0"/>
-              </a:solidFill>
-            </a:endParaRPr>
-          </a:p>
-        </p:txBody>
-      </p:sp>
-      <p:sp>
-        <p:nvSpPr>
-          <p:cNvPr id="70" name="TextBox 69"/>
-          <p:cNvSpPr txBox="1"/>
-          <p:nvPr/>
-        </p:nvSpPr>
-        <p:spPr>
-          <a:xfrm>
-            <a:off x="6449896" y="3204826"/>
-            <a:ext cx="189257" cy="178683"/>
-          </a:xfrm>
-          <a:prstGeom prst="rect">
-            <a:avLst/>
-          </a:prstGeom>
-          <a:noFill/>
-        </p:spPr>
-        <p:txBody>
-          <a:bodyPr wrap="square" lIns="0" tIns="0" rIns="0" bIns="0" rtlCol="0">
-            <a:noAutofit/>
-          </a:bodyPr>
-          <a:lstStyle/>
-          <a:p>
-            <a:pPr algn="ctr"/>
-            <a:r>
-              <a:rPr lang="en-US" sz="1100" dirty="0">
-                <a:solidFill>
-                  <a:srgbClr val="7030A0"/>
-                </a:solidFill>
-              </a:rPr>
-              <a:t>1</a:t>
-            </a:r>
-            <a:endParaRPr lang="en-SG" sz="1100" dirty="0">
-              <a:solidFill>
-                <a:srgbClr val="7030A0"/>
-              </a:solidFill>
-            </a:endParaRPr>
-          </a:p>
-        </p:txBody>
-      </p:sp>
-      <p:sp>
-        <p:nvSpPr>
-          <p:cNvPr id="52" name="Rectangle 8">
-            <a:extLst>
-              <a:ext uri="{FF2B5EF4-FFF2-40B4-BE49-F238E27FC236}">
-                <a16:creationId xmlns:a16="http://schemas.microsoft.com/office/drawing/2014/main" id="{ABDCDBD2-131A-4B66-A2F2-43BBEE82C773}"/>
-              </a:ext>
-            </a:extLst>
-          </p:cNvPr>
+      <p:sp>
+        <p:nvSpPr>
+          <p:cNvPr id="94" name="Isosceles Triangle 102"/>
           <p:cNvSpPr/>
           <p:nvPr/>
         </p:nvSpPr>
         <p:spPr>
-          <a:xfrm>
-            <a:off x="4487016" y="2209800"/>
-            <a:ext cx="1156969" cy="285783"/>
-          </a:xfrm>
-          <a:prstGeom prst="rect">
-            <a:avLst/>
-          </a:prstGeom>
-          <a:ln w="19050">
-            <a:solidFill>
-              <a:srgbClr val="7030A0"/>
-            </a:solidFill>
-          </a:ln>
-          <a:effectLst/>
-        </p:spPr>
-        <p:style>
-          <a:lnRef idx="1">
-            <a:schemeClr val="accent4"/>
-          </a:lnRef>
-          <a:fillRef idx="2">
-            <a:schemeClr val="accent4"/>
-          </a:fillRef>
-          <a:effectRef idx="1">
-            <a:schemeClr val="accent4"/>
-          </a:effectRef>
-          <a:fontRef idx="minor">
-            <a:schemeClr val="dk1"/>
-          </a:fontRef>
-        </p:style>
-        <p:txBody>
-          <a:bodyPr rtlCol="0" anchor="ctr"/>
-          <a:lstStyle/>
-          <a:p>
-            <a:pPr algn="ctr"/>
-            <a:r>
-              <a:rPr lang="en-US" sz="1050" dirty="0" err="1">
-                <a:solidFill>
-                  <a:srgbClr val="7030A0"/>
-                </a:solidFill>
-              </a:rPr>
-              <a:t>UniqueTagList</a:t>
-            </a:r>
-            <a:endParaRPr lang="en-SG" sz="1050" dirty="0">
-              <a:solidFill>
-                <a:srgbClr val="7030A0"/>
-              </a:solidFill>
-            </a:endParaRPr>
-          </a:p>
-        </p:txBody>
-      </p:sp>
-      <p:cxnSp>
-        <p:nvCxnSpPr>
-          <p:cNvPr id="53" name="Elbow Connector 78">
-            <a:extLst>
-              <a:ext uri="{FF2B5EF4-FFF2-40B4-BE49-F238E27FC236}">
-                <a16:creationId xmlns:a16="http://schemas.microsoft.com/office/drawing/2014/main" id="{B97967F8-618A-448B-81FD-CDFD4AF0EC64}"/>
-              </a:ext>
-            </a:extLst>
-          </p:cNvPr>
-          <p:cNvCxnSpPr>
-            <a:cxnSpLocks/>
-            <a:stCxn id="51" idx="3"/>
-            <a:endCxn id="52" idx="1"/>
-          </p:cNvCxnSpPr>
-          <p:nvPr/>
-        </p:nvCxnSpPr>
-        <p:spPr>
-          <a:xfrm flipV="1">
-            <a:off x="4213307" y="2352692"/>
-            <a:ext cx="273709" cy="666343"/>
-          </a:xfrm>
-          <a:prstGeom prst="bentConnector3">
+          <a:xfrm rot="16200000">
+            <a:off x="2586098" y="2068952"/>
+            <a:ext cx="271014" cy="187417"/>
+          </a:xfrm>
+          <a:prstGeom prst="triangle">
             <a:avLst>
-              <a:gd name="adj1" fmla="val 50000"/>
+              <a:gd name="adj" fmla="val 44517"/>
             </a:avLst>
           </a:prstGeom>
-          <a:ln w="19050">
-            <a:solidFill>
-              <a:srgbClr val="7030A0"/>
-            </a:solidFill>
-            <a:headEnd type="none" w="med" len="med"/>
-            <a:tailEnd type="arrow" w="med" len="med"/>
-          </a:ln>
-          <a:effectLst/>
-        </p:spPr>
-        <p:style>
-          <a:lnRef idx="1">
-            <a:schemeClr val="accent2"/>
-          </a:lnRef>
-          <a:fillRef idx="2">
-            <a:schemeClr val="accent2"/>
-          </a:fillRef>
-          <a:effectRef idx="1">
-            <a:schemeClr val="accent2"/>
-          </a:effectRef>
-          <a:fontRef idx="minor">
-            <a:schemeClr val="dk1"/>
-          </a:fontRef>
-        </p:style>
-      </p:cxnSp>
-      <p:sp>
-        <p:nvSpPr>
-          <p:cNvPr id="50" name="TextBox 49">
-            <a:extLst>
-              <a:ext uri="{FF2B5EF4-FFF2-40B4-BE49-F238E27FC236}">
-                <a16:creationId xmlns:a16="http://schemas.microsoft.com/office/drawing/2014/main" id="{B3FA9D57-880F-49C4-AD0B-A64E30D6F403}"/>
-              </a:ext>
-            </a:extLst>
-          </p:cNvPr>
-          <p:cNvSpPr txBox="1"/>
-          <p:nvPr/>
-        </p:nvSpPr>
-        <p:spPr>
-          <a:xfrm>
-            <a:off x="6714344" y="2430721"/>
-            <a:ext cx="189257" cy="178683"/>
-          </a:xfrm>
-          <a:prstGeom prst="rect">
-            <a:avLst/>
-          </a:prstGeom>
-          <a:noFill/>
-        </p:spPr>
-        <p:txBody>
-          <a:bodyPr wrap="square" lIns="0" tIns="0" rIns="0" bIns="0" rtlCol="0">
-            <a:noAutofit/>
-          </a:bodyPr>
-          <a:lstStyle/>
-          <a:p>
-            <a:pPr algn="ctr"/>
-            <a:r>
-              <a:rPr lang="en-US" sz="1100" dirty="0">
-                <a:solidFill>
-                  <a:srgbClr val="7030A0"/>
-                </a:solidFill>
-              </a:rPr>
-              <a:t>*</a:t>
-            </a:r>
-            <a:endParaRPr lang="en-SG" sz="1100" dirty="0">
-              <a:solidFill>
-                <a:srgbClr val="7030A0"/>
-              </a:solidFill>
-            </a:endParaRPr>
-          </a:p>
-        </p:txBody>
-      </p:sp>
-      <p:sp>
-        <p:nvSpPr>
-          <p:cNvPr id="55" name="Flowchart: Decision 96">
-            <a:extLst>
-              <a:ext uri="{FF2B5EF4-FFF2-40B4-BE49-F238E27FC236}">
-                <a16:creationId xmlns:a16="http://schemas.microsoft.com/office/drawing/2014/main" id="{B9F96195-942D-4692-91B7-CF34229E7461}"/>
-              </a:ext>
-            </a:extLst>
-          </p:cNvPr>
-          <p:cNvSpPr/>
-          <p:nvPr/>
-        </p:nvSpPr>
-        <p:spPr>
-          <a:xfrm rot="16200000">
-            <a:off x="6553482" y="2664721"/>
-            <a:ext cx="236048" cy="173380"/>
-          </a:xfrm>
-          <a:prstGeom prst="flowChartDecision">
-            <a:avLst/>
-          </a:prstGeom>
-          <a:noFill/>
+          <a:solidFill>
+            <a:schemeClr val="accent4">
+              <a:lumMod val="20000"/>
+              <a:lumOff val="80000"/>
+            </a:schemeClr>
+          </a:solidFill>
           <a:ln w="19050">
             <a:solidFill>
               <a:srgbClr val="7030A0"/>
@@ -5527,282 +5943,23 @@
           <a:lstStyle/>
           <a:p>
             <a:pPr algn="ctr"/>
-            <a:endParaRPr lang="en-US" sz="1050"/>
+            <a:endParaRPr lang="en-SG" sz="1050"/>
           </a:p>
         </p:txBody>
       </p:sp>
       <p:cxnSp>
         <p:nvCxnSpPr>
-          <p:cNvPr id="59" name="Elbow Connector 63">
-            <a:extLst>
-              <a:ext uri="{FF2B5EF4-FFF2-40B4-BE49-F238E27FC236}">
-                <a16:creationId xmlns:a16="http://schemas.microsoft.com/office/drawing/2014/main" id="{E2D6A56C-A223-4236-A1F0-7EFEBA2FC940}"/>
-              </a:ext>
-            </a:extLst>
-          </p:cNvPr>
+          <p:cNvPr id="95" name="Elbow Connector 63"/>
           <p:cNvCxnSpPr>
-            <a:cxnSpLocks/>
-            <a:endCxn id="67" idx="1"/>
+            <a:stCxn id="94" idx="3"/>
+            <a:endCxn id="93" idx="1"/>
           </p:cNvCxnSpPr>
           <p:nvPr/>
         </p:nvCxnSpPr>
         <p:spPr>
-          <a:xfrm flipV="1">
-            <a:off x="5884280" y="2233006"/>
-            <a:ext cx="432916" cy="111294"/>
-          </a:xfrm>
-          <a:prstGeom prst="bentConnector3">
-            <a:avLst/>
-          </a:prstGeom>
-          <a:ln w="19050">
-            <a:solidFill>
-              <a:srgbClr val="7030A0"/>
-            </a:solidFill>
-            <a:headEnd type="none" w="med" len="med"/>
-            <a:tailEnd type="arrow" w="med" len="med"/>
-          </a:ln>
-          <a:effectLst/>
-        </p:spPr>
-        <p:style>
-          <a:lnRef idx="1">
-            <a:schemeClr val="accent2"/>
-          </a:lnRef>
-          <a:fillRef idx="2">
-            <a:schemeClr val="accent2"/>
-          </a:fillRef>
-          <a:effectRef idx="1">
-            <a:schemeClr val="accent2"/>
-          </a:effectRef>
-          <a:fontRef idx="minor">
-            <a:schemeClr val="dk1"/>
-          </a:fontRef>
-        </p:style>
-      </p:cxnSp>
-      <p:sp>
-        <p:nvSpPr>
-          <p:cNvPr id="67" name="Rectangle 8">
-            <a:extLst>
-              <a:ext uri="{FF2B5EF4-FFF2-40B4-BE49-F238E27FC236}">
-                <a16:creationId xmlns:a16="http://schemas.microsoft.com/office/drawing/2014/main" id="{36D68104-33BB-4C8F-B764-F3F0B25E592B}"/>
-              </a:ext>
-            </a:extLst>
-          </p:cNvPr>
-          <p:cNvSpPr/>
-          <p:nvPr/>
-        </p:nvSpPr>
-        <p:spPr>
           <a:xfrm>
-            <a:off x="6317196" y="2059626"/>
-            <a:ext cx="708186" cy="346760"/>
-          </a:xfrm>
-          <a:prstGeom prst="rect">
-            <a:avLst/>
-          </a:prstGeom>
-          <a:ln w="19050">
-            <a:solidFill>
-              <a:srgbClr val="7030A0"/>
-            </a:solidFill>
-          </a:ln>
-          <a:effectLst/>
-        </p:spPr>
-        <p:style>
-          <a:lnRef idx="1">
-            <a:schemeClr val="accent4"/>
-          </a:lnRef>
-          <a:fillRef idx="2">
-            <a:schemeClr val="accent4"/>
-          </a:fillRef>
-          <a:effectRef idx="1">
-            <a:schemeClr val="accent4"/>
-          </a:effectRef>
-          <a:fontRef idx="minor">
-            <a:schemeClr val="dk1"/>
-          </a:fontRef>
-        </p:style>
-        <p:txBody>
-          <a:bodyPr rtlCol="0" anchor="ctr"/>
-          <a:lstStyle/>
-          <a:p>
-            <a:pPr algn="ctr"/>
-            <a:r>
-              <a:rPr lang="en-US" sz="1050" dirty="0">
-                <a:solidFill>
-                  <a:srgbClr val="7030A0"/>
-                </a:solidFill>
-              </a:rPr>
-              <a:t>Tag</a:t>
-            </a:r>
-            <a:endParaRPr lang="en-SG" sz="1050" dirty="0">
-              <a:solidFill>
-                <a:srgbClr val="7030A0"/>
-              </a:solidFill>
-            </a:endParaRPr>
-          </a:p>
-        </p:txBody>
-      </p:sp>
-      <p:sp>
-        <p:nvSpPr>
-          <p:cNvPr id="68" name="TextBox 67">
-            <a:extLst>
-              <a:ext uri="{FF2B5EF4-FFF2-40B4-BE49-F238E27FC236}">
-                <a16:creationId xmlns:a16="http://schemas.microsoft.com/office/drawing/2014/main" id="{18A2ABF0-4DA8-43EE-BACE-A737C4E4CFEC}"/>
-              </a:ext>
-            </a:extLst>
-          </p:cNvPr>
-          <p:cNvSpPr txBox="1"/>
-          <p:nvPr/>
-        </p:nvSpPr>
-        <p:spPr>
-          <a:xfrm>
-            <a:off x="6135256" y="2278014"/>
-            <a:ext cx="189257" cy="178683"/>
-          </a:xfrm>
-          <a:prstGeom prst="rect">
-            <a:avLst/>
-          </a:prstGeom>
-          <a:noFill/>
-        </p:spPr>
-        <p:txBody>
-          <a:bodyPr wrap="square" lIns="0" tIns="0" rIns="0" bIns="0" rtlCol="0">
-            <a:noAutofit/>
-          </a:bodyPr>
-          <a:lstStyle/>
-          <a:p>
-            <a:pPr algn="ctr"/>
-            <a:r>
-              <a:rPr lang="en-US" sz="1100" dirty="0">
-                <a:solidFill>
-                  <a:srgbClr val="7030A0"/>
-                </a:solidFill>
-              </a:rPr>
-              <a:t>*</a:t>
-            </a:r>
-            <a:endParaRPr lang="en-SG" sz="1100" dirty="0">
-              <a:solidFill>
-                <a:srgbClr val="7030A0"/>
-              </a:solidFill>
-            </a:endParaRPr>
-          </a:p>
-        </p:txBody>
-      </p:sp>
-      <p:sp>
-        <p:nvSpPr>
-          <p:cNvPr id="69" name="TextBox 68">
-            <a:extLst>
-              <a:ext uri="{FF2B5EF4-FFF2-40B4-BE49-F238E27FC236}">
-                <a16:creationId xmlns:a16="http://schemas.microsoft.com/office/drawing/2014/main" id="{8CF9406A-39C7-4163-8880-BB65541FC08E}"/>
-              </a:ext>
-            </a:extLst>
-          </p:cNvPr>
-          <p:cNvSpPr txBox="1"/>
-          <p:nvPr/>
-        </p:nvSpPr>
-        <p:spPr>
-          <a:xfrm>
-            <a:off x="4343439" y="2389310"/>
-            <a:ext cx="189257" cy="178683"/>
-          </a:xfrm>
-          <a:prstGeom prst="rect">
-            <a:avLst/>
-          </a:prstGeom>
-          <a:noFill/>
-        </p:spPr>
-        <p:txBody>
-          <a:bodyPr wrap="square" lIns="0" tIns="0" rIns="0" bIns="0" rtlCol="0">
-            <a:noAutofit/>
-          </a:bodyPr>
-          <a:lstStyle/>
-          <a:p>
-            <a:pPr algn="ctr"/>
-            <a:r>
-              <a:rPr lang="en-US" sz="1100" dirty="0">
-                <a:solidFill>
-                  <a:srgbClr val="7030A0"/>
-                </a:solidFill>
-              </a:rPr>
-              <a:t>1</a:t>
-            </a:r>
-            <a:endParaRPr lang="en-SG" sz="1100" dirty="0">
-              <a:solidFill>
-                <a:srgbClr val="7030A0"/>
-              </a:solidFill>
-            </a:endParaRPr>
-          </a:p>
-        </p:txBody>
-      </p:sp>
-      <p:sp>
-        <p:nvSpPr>
-          <p:cNvPr id="71" name="Flowchart: Decision 96">
-            <a:extLst>
-              <a:ext uri="{FF2B5EF4-FFF2-40B4-BE49-F238E27FC236}">
-                <a16:creationId xmlns:a16="http://schemas.microsoft.com/office/drawing/2014/main" id="{233007D4-EEA2-4CA6-ACFE-1517B654224E}"/>
-              </a:ext>
-            </a:extLst>
-          </p:cNvPr>
-          <p:cNvSpPr/>
-          <p:nvPr/>
-        </p:nvSpPr>
-        <p:spPr>
-          <a:xfrm>
-            <a:off x="5642473" y="2265020"/>
-            <a:ext cx="236048" cy="173380"/>
-          </a:xfrm>
-          <a:prstGeom prst="flowChartDecision">
-            <a:avLst/>
-          </a:prstGeom>
-          <a:solidFill>
-            <a:srgbClr val="7030A0"/>
-          </a:solidFill>
-          <a:ln w="19050">
-            <a:solidFill>
-              <a:srgbClr val="7030A0"/>
-            </a:solidFill>
-          </a:ln>
-          <a:effectLst/>
-        </p:spPr>
-        <p:style>
-          <a:lnRef idx="1">
-            <a:schemeClr val="accent6"/>
-          </a:lnRef>
-          <a:fillRef idx="2">
-            <a:schemeClr val="accent6"/>
-          </a:fillRef>
-          <a:effectRef idx="1">
-            <a:schemeClr val="accent6"/>
-          </a:effectRef>
-          <a:fontRef idx="minor">
-            <a:schemeClr val="dk1"/>
-          </a:fontRef>
-        </p:style>
-        <p:txBody>
-          <a:bodyPr rtlCol="0" anchor="ctr"/>
-          <a:lstStyle/>
-          <a:p>
-            <a:pPr algn="ctr"/>
-            <a:endParaRPr lang="en-US" sz="1050"/>
-          </a:p>
-        </p:txBody>
-      </p:sp>
-      <p:cxnSp>
-        <p:nvCxnSpPr>
-          <p:cNvPr id="72" name="Elbow Connector 78">
-            <a:extLst>
-              <a:ext uri="{FF2B5EF4-FFF2-40B4-BE49-F238E27FC236}">
-                <a16:creationId xmlns:a16="http://schemas.microsoft.com/office/drawing/2014/main" id="{D5DFB8C5-B0B0-46C1-967B-4449112ABD6F}"/>
-              </a:ext>
-            </a:extLst>
-          </p:cNvPr>
-          <p:cNvCxnSpPr>
-            <a:cxnSpLocks/>
-            <a:stCxn id="55" idx="3"/>
-            <a:endCxn id="67" idx="2"/>
-          </p:cNvCxnSpPr>
-          <p:nvPr/>
-        </p:nvCxnSpPr>
-        <p:spPr>
-          <a:xfrm rot="16200000" flipV="1">
-            <a:off x="6557898" y="2519778"/>
-            <a:ext cx="227001" cy="217"/>
+            <a:off x="2815314" y="2177521"/>
+            <a:ext cx="271892" cy="2821"/>
           </a:xfrm>
           <a:prstGeom prst="bentConnector3">
             <a:avLst>
@@ -5813,8 +5970,9 @@
             <a:solidFill>
               <a:srgbClr val="7030A0"/>
             </a:solidFill>
+            <a:prstDash val="sysDot"/>
             <a:headEnd type="none" w="med" len="med"/>
-            <a:tailEnd type="arrow" w="med" len="med"/>
+            <a:tailEnd type="none" w="med" len="med"/>
           </a:ln>
           <a:effectLst/>
         </p:spPr>
